--- a/documents/v2.0/Presentation.pptx
+++ b/documents/v2.0/Presentation.pptx
@@ -6201,9 +6201,6 @@
               </a:rPr>
               <a:t>Remerciements</a:t>
             </a:r>
-            <a:endParaRPr lang="fr-FR" u="none" dirty="0" smtClean="0">
-              <a:latin typeface="Trebuchet MS" pitchFamily="34" charset="0"/>
-            </a:endParaRPr>
           </a:p>
         </p:txBody>
       </p:sp>
